--- a/Презенташка.pptx
+++ b/Презенташка.pptx
@@ -7,7 +7,8 @@
   <p:sldIdLst>
     <p:sldId id="256" r:id="rId2"/>
     <p:sldId id="257" r:id="rId3"/>
-    <p:sldId id="258" r:id="rId4"/>
+    <p:sldId id="259" r:id="rId4"/>
+    <p:sldId id="258" r:id="rId5"/>
   </p:sldIdLst>
   <p:sldSz cx="12192000" cy="6858000"/>
   <p:notesSz cx="6858000" cy="9144000"/>
@@ -3268,33 +3269,6 @@
           <a:chExt cx="0" cy="0"/>
         </a:xfrm>
       </p:grpSpPr>
-      <p:sp>
-        <p:nvSpPr>
-          <p:cNvPr id="2" name="Title 1"/>
-          <p:cNvSpPr>
-            <a:spLocks noGrp="1"/>
-          </p:cNvSpPr>
-          <p:nvPr>
-            <p:ph type="title"/>
-          </p:nvPr>
-        </p:nvSpPr>
-        <p:spPr/>
-        <p:txBody>
-          <a:bodyPr/>
-          <a:lstStyle/>
-          <a:p>
-            <a:r>
-              <a:rPr lang="ru-RU" dirty="0" smtClean="0"/>
-              <a:t>Программное средство </a:t>
-            </a:r>
-            <a:r>
-              <a:rPr lang="en-US" dirty="0" err="1" smtClean="0"/>
-              <a:t>TestSystem</a:t>
-            </a:r>
-            <a:endParaRPr lang="en-US" dirty="0"/>
-          </a:p>
-        </p:txBody>
-      </p:sp>
       <p:pic>
         <p:nvPicPr>
           <p:cNvPr id="4" name="Picture 3"/>
@@ -3311,7 +3285,143 @@
         </p:blipFill>
         <p:spPr>
           <a:xfrm>
-            <a:off x="1655445" y="1690688"/>
+            <a:off x="774356" y="1530928"/>
+            <a:ext cx="5321644" cy="4753121"/>
+          </a:xfrm>
+          <a:prstGeom prst="rect">
+            <a:avLst/>
+          </a:prstGeom>
+        </p:spPr>
+      </p:pic>
+      <p:pic>
+        <p:nvPicPr>
+          <p:cNvPr id="5" name="Picture 4"/>
+          <p:cNvPicPr>
+            <a:picLocks noChangeAspect="1"/>
+          </p:cNvPicPr>
+          <p:nvPr/>
+        </p:nvPicPr>
+        <p:blipFill>
+          <a:blip r:embed="rId3"/>
+          <a:stretch>
+            <a:fillRect/>
+          </a:stretch>
+        </p:blipFill>
+        <p:spPr>
+          <a:xfrm>
+            <a:off x="7745079" y="437956"/>
+            <a:ext cx="3961757" cy="3015441"/>
+          </a:xfrm>
+          <a:prstGeom prst="rect">
+            <a:avLst/>
+          </a:prstGeom>
+        </p:spPr>
+      </p:pic>
+      <p:pic>
+        <p:nvPicPr>
+          <p:cNvPr id="6" name="Picture 5"/>
+          <p:cNvPicPr>
+            <a:picLocks noChangeAspect="1"/>
+          </p:cNvPicPr>
+          <p:nvPr/>
+        </p:nvPicPr>
+        <p:blipFill>
+          <a:blip r:embed="rId4"/>
+          <a:stretch>
+            <a:fillRect/>
+          </a:stretch>
+        </p:blipFill>
+        <p:spPr>
+          <a:xfrm>
+            <a:off x="5160941" y="3163331"/>
+            <a:ext cx="5679023" cy="3423336"/>
+          </a:xfrm>
+          <a:prstGeom prst="rect">
+            <a:avLst/>
+          </a:prstGeom>
+        </p:spPr>
+      </p:pic>
+      <p:sp>
+        <p:nvSpPr>
+          <p:cNvPr id="7" name="Title 1"/>
+          <p:cNvSpPr>
+            <a:spLocks noGrp="1"/>
+          </p:cNvSpPr>
+          <p:nvPr>
+            <p:ph type="title"/>
+          </p:nvPr>
+        </p:nvSpPr>
+        <p:spPr>
+          <a:xfrm>
+            <a:off x="838200" y="365125"/>
+            <a:ext cx="10515600" cy="1325563"/>
+          </a:xfrm>
+        </p:spPr>
+        <p:txBody>
+          <a:bodyPr>
+            <a:normAutofit/>
+          </a:bodyPr>
+          <a:lstStyle/>
+          <a:p>
+            <a:r>
+              <a:rPr lang="ru-RU" sz="3600" dirty="0" smtClean="0"/>
+              <a:t>Программное средство </a:t>
+            </a:r>
+            <a:r>
+              <a:rPr lang="en-US" sz="3600" dirty="0" err="1" smtClean="0"/>
+              <a:t>TestSystem</a:t>
+            </a:r>
+            <a:endParaRPr lang="en-US" sz="3600" dirty="0"/>
+          </a:p>
+        </p:txBody>
+      </p:sp>
+    </p:spTree>
+    <p:extLst>
+      <p:ext uri="{BB962C8B-B14F-4D97-AF65-F5344CB8AC3E}">
+        <p14:creationId xmlns:p14="http://schemas.microsoft.com/office/powerpoint/2010/main" val="842273800"/>
+      </p:ext>
+    </p:extLst>
+  </p:cSld>
+  <p:clrMapOvr>
+    <a:masterClrMapping/>
+  </p:clrMapOvr>
+</p:sld>
+</file>
+
+<file path=ppt/slides/slide4.xml><?xml version="1.0" encoding="utf-8"?>
+<p:sld xmlns:a="http://schemas.openxmlformats.org/drawingml/2006/main" xmlns:r="http://schemas.openxmlformats.org/officeDocument/2006/relationships" xmlns:p="http://schemas.openxmlformats.org/presentationml/2006/main">
+  <p:cSld>
+    <p:spTree>
+      <p:nvGrpSpPr>
+        <p:cNvPr id="1" name=""/>
+        <p:cNvGrpSpPr/>
+        <p:nvPr/>
+      </p:nvGrpSpPr>
+      <p:grpSpPr>
+        <a:xfrm>
+          <a:off x="0" y="0"/>
+          <a:ext cx="0" cy="0"/>
+          <a:chOff x="0" y="0"/>
+          <a:chExt cx="0" cy="0"/>
+        </a:xfrm>
+      </p:grpSpPr>
+      <p:pic>
+        <p:nvPicPr>
+          <p:cNvPr id="4" name="Picture 3"/>
+          <p:cNvPicPr>
+            <a:picLocks noChangeAspect="1"/>
+          </p:cNvPicPr>
+          <p:nvPr/>
+        </p:nvPicPr>
+        <p:blipFill>
+          <a:blip r:embed="rId2"/>
+          <a:stretch>
+            <a:fillRect/>
+          </a:stretch>
+        </p:blipFill>
+        <p:spPr>
+          <a:xfrm>
+            <a:off x="2802773" y="1690688"/>
             <a:ext cx="6586453" cy="4564296"/>
           </a:xfrm>
           <a:prstGeom prst="rect">
@@ -3319,6 +3429,30 @@
           </a:prstGeom>
         </p:spPr>
       </p:pic>
+      <p:sp>
+        <p:nvSpPr>
+          <p:cNvPr id="6" name="Title 5"/>
+          <p:cNvSpPr>
+            <a:spLocks noGrp="1"/>
+          </p:cNvSpPr>
+          <p:nvPr>
+            <p:ph type="title"/>
+          </p:nvPr>
+        </p:nvSpPr>
+        <p:spPr/>
+        <p:txBody>
+          <a:bodyPr/>
+          <a:lstStyle/>
+          <a:p>
+            <a:pPr algn="ctr"/>
+            <a:r>
+              <a:rPr lang="ru-RU" dirty="0" smtClean="0"/>
+              <a:t>Результаты</a:t>
+            </a:r>
+            <a:endParaRPr lang="en-US" dirty="0"/>
+          </a:p>
+        </p:txBody>
+      </p:sp>
     </p:spTree>
     <p:extLst>
       <p:ext uri="{BB962C8B-B14F-4D97-AF65-F5344CB8AC3E}">
